--- a/11月中間報告.pptx
+++ b/11月中間報告.pptx
@@ -10,10 +10,11 @@
     <p:sldId id="258" r:id="rId4"/>
     <p:sldId id="259" r:id="rId5"/>
     <p:sldId id="260" r:id="rId6"/>
-    <p:sldId id="261" r:id="rId7"/>
-    <p:sldId id="262" r:id="rId8"/>
-    <p:sldId id="263" r:id="rId9"/>
-    <p:sldId id="264" r:id="rId10"/>
+    <p:sldId id="265" r:id="rId7"/>
+    <p:sldId id="261" r:id="rId8"/>
+    <p:sldId id="262" r:id="rId9"/>
+    <p:sldId id="263" r:id="rId10"/>
+    <p:sldId id="264" r:id="rId11"/>
   </p:sldIdLst>
   <p:sldSz cx="12192000" cy="6858000"/>
   <p:notesSz cx="6858000" cy="9144000"/>
@@ -8313,6 +8314,134 @@
 </p:sld>
 </file>
 
+<file path=ppt/slides/slide10.xml><?xml version="1.0" encoding="utf-8"?>
+<p:sld xmlns:a="http://schemas.openxmlformats.org/drawingml/2006/main" xmlns:r="http://schemas.openxmlformats.org/officeDocument/2006/relationships" xmlns:p="http://schemas.openxmlformats.org/presentationml/2006/main">
+  <p:cSld>
+    <p:spTree>
+      <p:nvGrpSpPr>
+        <p:cNvPr id="1" name=""/>
+        <p:cNvGrpSpPr/>
+        <p:nvPr/>
+      </p:nvGrpSpPr>
+      <p:grpSpPr>
+        <a:xfrm>
+          <a:off x="0" y="0"/>
+          <a:ext cx="0" cy="0"/>
+          <a:chOff x="0" y="0"/>
+          <a:chExt cx="0" cy="0"/>
+        </a:xfrm>
+      </p:grpSpPr>
+      <p:sp>
+        <p:nvSpPr>
+          <p:cNvPr id="2" name="タイトル 1">
+            <a:extLst>
+              <a:ext uri="{FF2B5EF4-FFF2-40B4-BE49-F238E27FC236}">
+                <a16:creationId xmlns:a16="http://schemas.microsoft.com/office/drawing/2014/main" id="{12708A0D-D0C1-E549-A2B7-9BB3AE14D1B6}"/>
+              </a:ext>
+            </a:extLst>
+          </p:cNvPr>
+          <p:cNvSpPr>
+            <a:spLocks noGrp="1"/>
+          </p:cNvSpPr>
+          <p:nvPr>
+            <p:ph type="title"/>
+          </p:nvPr>
+        </p:nvSpPr>
+        <p:spPr/>
+        <p:txBody>
+          <a:bodyPr/>
+          <a:lstStyle/>
+          <a:p>
+            <a:r>
+              <a:rPr lang="ja-JP" altLang="en-US"/>
+              <a:t>現状の結果</a:t>
+            </a:r>
+            <a:endParaRPr kumimoji="1" lang="ja-JP" altLang="en-US"/>
+          </a:p>
+        </p:txBody>
+      </p:sp>
+      <p:sp>
+        <p:nvSpPr>
+          <p:cNvPr id="3" name="コンテンツ プレースホルダー 2">
+            <a:extLst>
+              <a:ext uri="{FF2B5EF4-FFF2-40B4-BE49-F238E27FC236}">
+                <a16:creationId xmlns:a16="http://schemas.microsoft.com/office/drawing/2014/main" id="{CAB314F2-C6BD-3A4E-BC31-31F9FEFC4609}"/>
+              </a:ext>
+            </a:extLst>
+          </p:cNvPr>
+          <p:cNvSpPr>
+            <a:spLocks noGrp="1"/>
+          </p:cNvSpPr>
+          <p:nvPr>
+            <p:ph idx="1"/>
+          </p:nvPr>
+        </p:nvSpPr>
+        <p:spPr/>
+        <p:txBody>
+          <a:bodyPr>
+            <a:normAutofit/>
+          </a:bodyPr>
+          <a:lstStyle/>
+          <a:p>
+            <a:r>
+              <a:rPr lang="en-US" altLang="ja-JP" sz="2400" dirty="0"/>
+              <a:t>6</a:t>
+            </a:r>
+            <a:r>
+              <a:rPr lang="ja-JP" altLang="en-US" sz="2400"/>
+              <a:t>月頃からプログラムの作成を行い、</a:t>
+            </a:r>
+            <a:r>
+              <a:rPr lang="en-US" altLang="ja-JP" sz="2400" dirty="0"/>
+              <a:t>9</a:t>
+            </a:r>
+            <a:r>
+              <a:rPr lang="ja-JP" altLang="en-US" sz="2400"/>
+              <a:t>月に実装が一通り終了</a:t>
+            </a:r>
+            <a:endParaRPr lang="en-US" altLang="ja-JP" sz="2400" dirty="0"/>
+          </a:p>
+          <a:p>
+            <a:r>
+              <a:rPr lang="ja-JP" altLang="en-US" sz="2400"/>
+              <a:t>注文数</a:t>
+            </a:r>
+            <a:r>
+              <a:rPr lang="en-US" altLang="ja-JP" sz="2400" dirty="0"/>
+              <a:t>110</a:t>
+            </a:r>
+            <a:r>
+              <a:rPr lang="ja-JP" altLang="en-US" sz="2400"/>
+              <a:t>の</a:t>
+            </a:r>
+            <a:r>
+              <a:rPr kumimoji="1" lang="ja-JP" altLang="en-US" sz="2400"/>
+              <a:t>簡単なブッキングに関しては、以前のモデルと同程度の解をより短時間で出力できています</a:t>
+            </a:r>
+            <a:endParaRPr kumimoji="1" lang="en-US" altLang="ja-JP" sz="2400" dirty="0"/>
+          </a:p>
+          <a:p>
+            <a:r>
+              <a:rPr lang="ja-JP" altLang="en-US" sz="2400"/>
+              <a:t>より注文数の多いブッキングに対応するために、さまざまなアプローチを実装中</a:t>
+            </a:r>
+            <a:endParaRPr kumimoji="1" lang="ja-JP" altLang="en-US" sz="2400"/>
+          </a:p>
+        </p:txBody>
+      </p:sp>
+    </p:spTree>
+    <p:extLst>
+      <p:ext uri="{BB962C8B-B14F-4D97-AF65-F5344CB8AC3E}">
+        <p14:creationId xmlns:p14="http://schemas.microsoft.com/office/powerpoint/2010/main" val="4224103654"/>
+      </p:ext>
+    </p:extLst>
+  </p:cSld>
+  <p:clrMapOvr>
+    <a:masterClrMapping/>
+  </p:clrMapOvr>
+</p:sld>
+</file>
+
 <file path=ppt/slides/slide2.xml><?xml version="1.0" encoding="utf-8"?>
 <p:sld xmlns:a="http://schemas.openxmlformats.org/drawingml/2006/main" xmlns:r="http://schemas.openxmlformats.org/officeDocument/2006/relationships" xmlns:p="http://schemas.openxmlformats.org/presentationml/2006/main">
   <p:cSld>
@@ -8842,104 +8971,65 @@
         </p:spPr>
         <p:txBody>
           <a:bodyPr>
-            <a:normAutofit lnSpcReduction="10000"/>
+            <a:normAutofit/>
           </a:bodyPr>
           <a:lstStyle/>
           <a:p>
+            <a:pPr marL="0" indent="0">
+              <a:buNone/>
+            </a:pPr>
+            <a:r>
+              <a:rPr lang="ja-JP" altLang="en-US" sz="2800"/>
+              <a:t>計算する際に、必ず守るべき条件が制約</a:t>
+            </a:r>
+            <a:endParaRPr kumimoji="1" lang="en-US" altLang="ja-JP" sz="2800" dirty="0"/>
+          </a:p>
+          <a:p>
             <a:r>
               <a:rPr kumimoji="1" lang="ja-JP" altLang="en-US" sz="2800"/>
-              <a:t>制約について</a:t>
+              <a:t>制約は</a:t>
+            </a:r>
+            <a:r>
+              <a:rPr lang="en-US" altLang="ja-JP" sz="2800" dirty="0"/>
+              <a:t>3</a:t>
+            </a:r>
+            <a:r>
+              <a:rPr lang="ja-JP" altLang="en-US" sz="2800"/>
+              <a:t>つ</a:t>
             </a:r>
             <a:endParaRPr kumimoji="1" lang="en-US" altLang="ja-JP" sz="2800" dirty="0"/>
           </a:p>
           <a:p>
-            <a:pPr lvl="1"/>
-            <a:r>
-              <a:rPr lang="ja-JP" altLang="en-US" sz="2000"/>
+            <a:pPr marL="914400" lvl="1" indent="-457200">
+              <a:buFont typeface="+mj-lt"/>
+              <a:buAutoNum type="arabicPeriod"/>
+            </a:pPr>
+            <a:r>
+              <a:rPr lang="ja-JP" altLang="en-US" sz="2200"/>
               <a:t>貨物の走行路を確保する</a:t>
             </a:r>
-            <a:endParaRPr lang="en-US" altLang="ja-JP" sz="2000" dirty="0"/>
-          </a:p>
-          <a:p>
-            <a:pPr lvl="1"/>
-            <a:r>
-              <a:rPr lang="ja-JP" altLang="en-US" sz="2000"/>
+            <a:endParaRPr lang="en-US" altLang="ja-JP" sz="2200" dirty="0"/>
+          </a:p>
+          <a:p>
+            <a:pPr marL="914400" lvl="1" indent="-457200">
+              <a:buFont typeface="+mj-lt"/>
+              <a:buAutoNum type="arabicPeriod"/>
+            </a:pPr>
+            <a:r>
+              <a:rPr lang="ja-JP" altLang="en-US" sz="2200"/>
               <a:t>船内自動車の全体荷重が閾値を超えない </a:t>
             </a:r>
-            <a:endParaRPr lang="en-US" altLang="ja-JP" sz="2000" dirty="0"/>
-          </a:p>
-          <a:p>
-            <a:pPr lvl="1"/>
-            <a:r>
-              <a:rPr lang="ja-JP" altLang="en-US" sz="2000"/>
+            <a:endParaRPr lang="en-US" altLang="ja-JP" sz="2200" dirty="0"/>
+          </a:p>
+          <a:p>
+            <a:pPr marL="914400" lvl="1" indent="-457200">
+              <a:buFont typeface="+mj-lt"/>
+              <a:buAutoNum type="arabicPeriod"/>
+            </a:pPr>
+            <a:r>
+              <a:rPr lang="ja-JP" altLang="en-US" sz="2200"/>
               <a:t>大きな注文の分割ルールを守る </a:t>
             </a:r>
-          </a:p>
-          <a:p>
-            <a:r>
-              <a:rPr kumimoji="1" lang="ja-JP" altLang="en-US" sz="2800"/>
-              <a:t>目的関数について</a:t>
-            </a:r>
-            <a:endParaRPr lang="en-US" altLang="ja-JP" sz="2800" dirty="0"/>
-          </a:p>
-          <a:p>
-            <a:pPr lvl="1"/>
-            <a:r>
-              <a:rPr lang="ja-JP" altLang="en-US" sz="2000">
-                <a:latin typeface="+mn-ea"/>
-              </a:rPr>
-              <a:t>一つのホールド内に複数の揚げ地の注文が入るのを減らしたい </a:t>
-            </a:r>
-          </a:p>
-          <a:p>
-            <a:pPr lvl="1"/>
-            <a:r>
-              <a:rPr lang="ja-JP" altLang="en-US" sz="2000">
-                <a:latin typeface="+mn-ea"/>
-              </a:rPr>
-              <a:t>船の内部で注文の積み地と揚げ地をなるべく揃えたい</a:t>
-            </a:r>
-            <a:endParaRPr lang="en-US" altLang="ja-JP" sz="2000" dirty="0">
-              <a:latin typeface="+mn-ea"/>
-            </a:endParaRPr>
-          </a:p>
-          <a:p>
-            <a:pPr lvl="1"/>
-            <a:r>
-              <a:rPr lang="ja-JP" altLang="en-US" sz="2000">
-                <a:latin typeface="+mn-ea"/>
-              </a:rPr>
-              <a:t>貨物の取り回しスペースを確保したい</a:t>
-            </a:r>
-            <a:endParaRPr lang="en-US" altLang="ja-JP" sz="2000" dirty="0">
-              <a:latin typeface="+mn-ea"/>
-            </a:endParaRPr>
-          </a:p>
-          <a:p>
-            <a:pPr lvl="1"/>
-            <a:r>
-              <a:rPr lang="ja-JP" altLang="en-US" sz="2000">
-                <a:latin typeface="+mn-ea"/>
-              </a:rPr>
-              <a:t>デッドスペースをなくしたい</a:t>
-            </a:r>
-            <a:endParaRPr lang="en-US" altLang="ja-JP" sz="2000" dirty="0">
-              <a:latin typeface="+mn-ea"/>
-            </a:endParaRPr>
-          </a:p>
-          <a:p>
-            <a:pPr lvl="1"/>
-            <a:r>
-              <a:rPr lang="ja-JP" altLang="en-US" sz="2000">
-                <a:latin typeface="+mn-ea"/>
-              </a:rPr>
-              <a:t>残容量を入口付近に寄せたい </a:t>
-            </a:r>
-            <a:endParaRPr kumimoji="1" lang="en-US" altLang="ja-JP" sz="2000" dirty="0"/>
-          </a:p>
-          <a:p>
-            <a:pPr lvl="1"/>
-            <a:endParaRPr kumimoji="1" lang="ja-JP" altLang="en-US" sz="2200"/>
           </a:p>
         </p:txBody>
       </p:sp>
@@ -8978,7 +9068,7 @@
           <p:cNvPr id="2" name="タイトル 1">
             <a:extLst>
               <a:ext uri="{FF2B5EF4-FFF2-40B4-BE49-F238E27FC236}">
-                <a16:creationId xmlns:a16="http://schemas.microsoft.com/office/drawing/2014/main" id="{AB3E2520-AAC2-5449-BC91-178D8B6DD09E}"/>
+                <a16:creationId xmlns:a16="http://schemas.microsoft.com/office/drawing/2014/main" id="{5149A6B0-4F52-F945-B8EA-E01CAD3AFB26}"/>
               </a:ext>
             </a:extLst>
           </p:cNvPr>
@@ -8996,7 +9086,7 @@
           <a:p>
             <a:r>
               <a:rPr kumimoji="1" lang="ja-JP" altLang="en-US"/>
-              <a:t>前回までのモデルでの問題点</a:t>
+              <a:t>モデルについて</a:t>
             </a:r>
           </a:p>
         </p:txBody>
@@ -9006,7 +9096,7 @@
           <p:cNvPr id="3" name="コンテンツ プレースホルダー 2">
             <a:extLst>
               <a:ext uri="{FF2B5EF4-FFF2-40B4-BE49-F238E27FC236}">
-                <a16:creationId xmlns:a16="http://schemas.microsoft.com/office/drawing/2014/main" id="{D3807F1B-2CEE-BA4D-A677-4637CCD3E5CF}"/>
+                <a16:creationId xmlns:a16="http://schemas.microsoft.com/office/drawing/2014/main" id="{40F8FEE7-4642-2E4B-A454-1E84849639FE}"/>
               </a:ext>
             </a:extLst>
           </p:cNvPr>
@@ -9017,60 +9107,119 @@
             <p:ph idx="1"/>
           </p:nvPr>
         </p:nvSpPr>
-        <p:spPr/>
-        <p:txBody>
-          <a:bodyPr>
-            <a:normAutofit/>
-          </a:bodyPr>
+        <p:spPr>
+          <a:xfrm>
+            <a:off x="1676400" y="2133600"/>
+            <a:ext cx="9828212" cy="3777622"/>
+          </a:xfrm>
+        </p:spPr>
+        <p:txBody>
+          <a:bodyPr/>
           <a:lstStyle/>
           <a:p>
-            <a:r>
-              <a:rPr lang="ja-JP" altLang="en-US" sz="2400"/>
-              <a:t>積み地や揚げ地の数</a:t>
-            </a:r>
-            <a:r>
-              <a:rPr lang="en-US" altLang="ja-JP" sz="2400" dirty="0"/>
-              <a:t>, </a:t>
-            </a:r>
-            <a:r>
-              <a:rPr lang="ja-JP" altLang="en-US" sz="2400"/>
-              <a:t>注文数やホールド数が増加すると、計算時間が膨大に増加する可能性</a:t>
-            </a:r>
-            <a:endParaRPr lang="en-US" altLang="ja-JP" sz="2400" dirty="0"/>
-          </a:p>
-          <a:p>
-            <a:r>
-              <a:rPr lang="ja-JP" altLang="en-US" sz="2400"/>
-              <a:t>実際に、高さ制約を追加するだけで計算時間が</a:t>
-            </a:r>
-            <a:r>
-              <a:rPr lang="en-US" altLang="ja-JP" sz="2400" dirty="0"/>
-              <a:t>6</a:t>
-            </a:r>
-            <a:r>
-              <a:rPr lang="ja-JP" altLang="en-US" sz="2400"/>
-              <a:t>倍に</a:t>
-            </a:r>
-            <a:r>
-              <a:rPr lang="en-US" altLang="ja-JP" sz="2400" dirty="0"/>
-              <a:t>…</a:t>
-            </a:r>
-          </a:p>
-          <a:p>
-            <a:endParaRPr lang="en-US" altLang="ja-JP" sz="2400" dirty="0"/>
-          </a:p>
-          <a:p>
-            <a:r>
-              <a:rPr lang="ja-JP" altLang="en-US" sz="2400"/>
-              <a:t>実際のブッキングにおける制約を考慮しつつ解を出力するには計算時間が膨大になる可能性が高い</a:t>
-            </a:r>
+            <a:pPr marL="0" indent="0">
+              <a:buNone/>
+            </a:pPr>
+            <a:r>
+              <a:rPr lang="ja-JP" altLang="en-US" sz="2800"/>
+              <a:t>計算を行う際に、値を良くすることを目指すものが目的関数</a:t>
+            </a:r>
+            <a:endParaRPr lang="en-US" altLang="ja-JP" sz="2800" dirty="0"/>
+          </a:p>
+          <a:p>
+            <a:r>
+              <a:rPr lang="ja-JP" altLang="en-US" sz="2800"/>
+              <a:t>目的関数の</a:t>
+            </a:r>
+            <a:r>
+              <a:rPr lang="en-US" altLang="ja-JP" sz="2800" dirty="0"/>
+              <a:t>5</a:t>
+            </a:r>
+            <a:r>
+              <a:rPr lang="ja-JP" altLang="en-US" sz="2800"/>
+              <a:t>つ</a:t>
+            </a:r>
+            <a:endParaRPr lang="en-US" altLang="ja-JP" sz="2800" dirty="0"/>
+          </a:p>
+          <a:p>
+            <a:pPr marL="914400" lvl="1" indent="-457200">
+              <a:buFont typeface="+mj-lt"/>
+              <a:buAutoNum type="arabicPeriod"/>
+            </a:pPr>
+            <a:r>
+              <a:rPr lang="ja-JP" altLang="en-US" sz="2000">
+                <a:latin typeface="+mn-ea"/>
+              </a:rPr>
+              <a:t>一つのホールド内に複数の揚げ地の注文が入るのを減らしたい </a:t>
+            </a:r>
+          </a:p>
+          <a:p>
+            <a:pPr marL="914400" lvl="1" indent="-457200">
+              <a:buFont typeface="+mj-lt"/>
+              <a:buAutoNum type="arabicPeriod"/>
+            </a:pPr>
+            <a:r>
+              <a:rPr lang="ja-JP" altLang="en-US" sz="2000">
+                <a:latin typeface="+mn-ea"/>
+              </a:rPr>
+              <a:t>船の内部で注文の積み地と揚げ地をなるべく揃えたい</a:t>
+            </a:r>
+            <a:endParaRPr lang="en-US" altLang="ja-JP" sz="2000" dirty="0">
+              <a:latin typeface="+mn-ea"/>
+            </a:endParaRPr>
+          </a:p>
+          <a:p>
+            <a:pPr marL="914400" lvl="1" indent="-457200">
+              <a:buFont typeface="+mj-lt"/>
+              <a:buAutoNum type="arabicPeriod"/>
+            </a:pPr>
+            <a:r>
+              <a:rPr lang="ja-JP" altLang="en-US" sz="2000">
+                <a:latin typeface="+mn-ea"/>
+              </a:rPr>
+              <a:t>貨物の取り回しスペースを確保したい</a:t>
+            </a:r>
+            <a:endParaRPr lang="en-US" altLang="ja-JP" sz="2000" dirty="0">
+              <a:latin typeface="+mn-ea"/>
+            </a:endParaRPr>
+          </a:p>
+          <a:p>
+            <a:pPr marL="914400" lvl="1" indent="-457200">
+              <a:buFont typeface="+mj-lt"/>
+              <a:buAutoNum type="arabicPeriod"/>
+            </a:pPr>
+            <a:r>
+              <a:rPr lang="ja-JP" altLang="en-US" sz="2000">
+                <a:latin typeface="+mn-ea"/>
+              </a:rPr>
+              <a:t>デッドスペースをなくしたい</a:t>
+            </a:r>
+            <a:endParaRPr lang="en-US" altLang="ja-JP" sz="2000" dirty="0">
+              <a:latin typeface="+mn-ea"/>
+            </a:endParaRPr>
+          </a:p>
+          <a:p>
+            <a:pPr marL="914400" lvl="1" indent="-457200">
+              <a:buFont typeface="+mj-lt"/>
+              <a:buAutoNum type="arabicPeriod"/>
+            </a:pPr>
+            <a:r>
+              <a:rPr lang="ja-JP" altLang="en-US" sz="2000">
+                <a:latin typeface="+mn-ea"/>
+              </a:rPr>
+              <a:t>残容量を入口付近に寄せたい </a:t>
+            </a:r>
+            <a:endParaRPr lang="en-US" altLang="ja-JP" sz="2000" dirty="0"/>
+          </a:p>
+          <a:p>
+            <a:endParaRPr kumimoji="1" lang="ja-JP" altLang="en-US"/>
           </a:p>
         </p:txBody>
       </p:sp>
     </p:spTree>
     <p:extLst>
       <p:ext uri="{BB962C8B-B14F-4D97-AF65-F5344CB8AC3E}">
-        <p14:creationId xmlns:p14="http://schemas.microsoft.com/office/powerpoint/2010/main" val="1664906661"/>
+        <p14:creationId xmlns:p14="http://schemas.microsoft.com/office/powerpoint/2010/main" val="592960778"/>
       </p:ext>
     </p:extLst>
   </p:cSld>
@@ -9102,7 +9251,7 @@
           <p:cNvPr id="2" name="タイトル 1">
             <a:extLst>
               <a:ext uri="{FF2B5EF4-FFF2-40B4-BE49-F238E27FC236}">
-                <a16:creationId xmlns:a16="http://schemas.microsoft.com/office/drawing/2014/main" id="{D494405D-C63C-0441-9752-73B631A3D991}"/>
+                <a16:creationId xmlns:a16="http://schemas.microsoft.com/office/drawing/2014/main" id="{AB3E2520-AAC2-5449-BC91-178D8B6DD09E}"/>
               </a:ext>
             </a:extLst>
           </p:cNvPr>
@@ -9119,14 +9268,9 @@
           <a:lstStyle/>
           <a:p>
             <a:r>
-              <a:rPr lang="en-US" altLang="ja-JP" dirty="0"/>
-              <a:t>3</a:t>
-            </a:r>
-            <a:r>
-              <a:rPr lang="ja-JP" altLang="en-US"/>
-              <a:t>月以降の取り組み</a:t>
-            </a:r>
-            <a:endParaRPr kumimoji="1" lang="ja-JP" altLang="en-US"/>
+              <a:rPr kumimoji="1" lang="ja-JP" altLang="en-US"/>
+              <a:t>前回までのモデルでの問題点</a:t>
+            </a:r>
           </a:p>
         </p:txBody>
       </p:sp>
@@ -9135,7 +9279,7 @@
           <p:cNvPr id="3" name="コンテンツ プレースホルダー 2">
             <a:extLst>
               <a:ext uri="{FF2B5EF4-FFF2-40B4-BE49-F238E27FC236}">
-                <a16:creationId xmlns:a16="http://schemas.microsoft.com/office/drawing/2014/main" id="{81E1D8B5-9BD0-8442-B97C-A6838E468C4F}"/>
+                <a16:creationId xmlns:a16="http://schemas.microsoft.com/office/drawing/2014/main" id="{D3807F1B-2CEE-BA4D-A677-4637CCD3E5CF}"/>
               </a:ext>
             </a:extLst>
           </p:cNvPr>
@@ -9148,85 +9292,61 @@
         </p:nvSpPr>
         <p:spPr/>
         <p:txBody>
-          <a:bodyPr/>
+          <a:bodyPr>
+            <a:normAutofit/>
+          </a:bodyPr>
           <a:lstStyle/>
           <a:p>
-            <a:pPr marL="0" indent="0">
-              <a:buNone/>
-            </a:pPr>
-            <a:r>
-              <a:rPr lang="en-US" altLang="ja-JP" sz="2600" dirty="0"/>
-              <a:t>1. </a:t>
-            </a:r>
-            <a:r>
-              <a:rPr lang="ja-JP" altLang="en-US" sz="2600"/>
-              <a:t>席割の評価方法のヒアリング</a:t>
-            </a:r>
-            <a:endParaRPr lang="en-US" altLang="ja-JP" sz="2600" dirty="0"/>
-          </a:p>
-          <a:p>
-            <a:pPr lvl="1"/>
-            <a:r>
-              <a:rPr lang="en-US" altLang="ja-JP" sz="2200" dirty="0"/>
-              <a:t>4</a:t>
-            </a:r>
-            <a:r>
-              <a:rPr lang="ja-JP" altLang="en-US" sz="2200"/>
-              <a:t>月、</a:t>
-            </a:r>
-            <a:r>
-              <a:rPr lang="en-US" altLang="ja-JP" sz="2200" dirty="0"/>
-              <a:t>5</a:t>
-            </a:r>
-            <a:r>
-              <a:rPr lang="ja-JP" altLang="en-US" sz="2200"/>
-              <a:t>月にプランナーさんにヒアリング</a:t>
-            </a:r>
-            <a:endParaRPr lang="en-US" altLang="ja-JP" sz="2200" dirty="0"/>
-          </a:p>
-          <a:p>
-            <a:pPr lvl="1"/>
-            <a:r>
-              <a:rPr lang="ja-JP" altLang="en-US" sz="2200"/>
-              <a:t>新たな目的関数などは加えない方針</a:t>
-            </a:r>
-            <a:endParaRPr lang="en-US" altLang="ja-JP" sz="2200" dirty="0"/>
-          </a:p>
-          <a:p>
-            <a:endParaRPr lang="en-US" altLang="ja-JP" sz="2600" dirty="0"/>
-          </a:p>
-          <a:p>
-            <a:pPr marL="0" indent="0">
-              <a:buNone/>
-            </a:pPr>
-            <a:r>
-              <a:rPr lang="en-US" altLang="ja-JP" sz="2600" dirty="0"/>
-              <a:t>2. </a:t>
-            </a:r>
-            <a:r>
-              <a:rPr lang="ja-JP" altLang="en-US" sz="2600"/>
-              <a:t>大規模な問題例にも対応できるモデルの作成</a:t>
-            </a:r>
-            <a:endParaRPr lang="en-US" altLang="ja-JP" sz="2600" dirty="0"/>
-          </a:p>
-          <a:p>
-            <a:pPr lvl="1"/>
+            <a:r>
+              <a:rPr lang="ja-JP" altLang="en-US" sz="2400"/>
+              <a:t>積み地や揚げ地の数</a:t>
+            </a:r>
+            <a:r>
+              <a:rPr lang="en-US" altLang="ja-JP" sz="2400" dirty="0"/>
+              <a:t>, </a:t>
+            </a:r>
+            <a:r>
+              <a:rPr lang="ja-JP" altLang="en-US" sz="2400"/>
+              <a:t>注文数やホールド数が増加すると、計算時間が膨大に増加する可能性</a:t>
+            </a:r>
+            <a:endParaRPr lang="en-US" altLang="ja-JP" sz="2400" dirty="0"/>
+          </a:p>
+          <a:p>
+            <a:r>
+              <a:rPr lang="ja-JP" altLang="en-US" sz="2400"/>
+              <a:t>実際に、高さ制約を追加するだけで計算時間が</a:t>
+            </a:r>
             <a:r>
               <a:rPr lang="en-US" altLang="ja-JP" sz="2400" dirty="0"/>
               <a:t>6</a:t>
             </a:r>
             <a:r>
               <a:rPr lang="ja-JP" altLang="en-US" sz="2400"/>
-              <a:t>月から、プログラムを</a:t>
+              <a:t>倍に</a:t>
             </a:r>
             <a:r>
               <a:rPr lang="en-US" altLang="ja-JP" sz="2400" dirty="0"/>
-              <a:t>1</a:t>
-            </a:r>
+              <a:t>…</a:t>
+            </a:r>
+          </a:p>
+          <a:p>
+            <a:endParaRPr lang="en-US" altLang="ja-JP" sz="2400" dirty="0"/>
+          </a:p>
+          <a:p>
             <a:r>
               <a:rPr lang="ja-JP" altLang="en-US" sz="2400"/>
-              <a:t>から新たに作成</a:t>
-            </a:r>
+              <a:t>より複雑な制約を考慮しつつ解を出力するのは、現実的な計算時間では終わりそうにない</a:t>
+            </a:r>
+            <a:endParaRPr lang="en-US" altLang="ja-JP" sz="2400" dirty="0"/>
+          </a:p>
+          <a:p>
+            <a:r>
+              <a:rPr lang="ja-JP" altLang="en-US" sz="2400"/>
+              <a:t>新たなアプローチをとる必要がある</a:t>
+            </a:r>
+            <a:endParaRPr lang="en-US" altLang="ja-JP" sz="2400" dirty="0"/>
+          </a:p>
+          <a:p>
             <a:endParaRPr lang="en-US" altLang="ja-JP" sz="2400" dirty="0"/>
           </a:p>
         </p:txBody>
@@ -9234,7 +9354,7 @@
     </p:spTree>
     <p:extLst>
       <p:ext uri="{BB962C8B-B14F-4D97-AF65-F5344CB8AC3E}">
-        <p14:creationId xmlns:p14="http://schemas.microsoft.com/office/powerpoint/2010/main" val="2813374313"/>
+        <p14:creationId xmlns:p14="http://schemas.microsoft.com/office/powerpoint/2010/main" val="1664906661"/>
       </p:ext>
     </p:extLst>
   </p:cSld>
@@ -9266,7 +9386,7 @@
           <p:cNvPr id="2" name="タイトル 1">
             <a:extLst>
               <a:ext uri="{FF2B5EF4-FFF2-40B4-BE49-F238E27FC236}">
-                <a16:creationId xmlns:a16="http://schemas.microsoft.com/office/drawing/2014/main" id="{DEE1382F-7C3A-ED42-BF42-F67C6FDD723E}"/>
+                <a16:creationId xmlns:a16="http://schemas.microsoft.com/office/drawing/2014/main" id="{D494405D-C63C-0441-9752-73B631A3D991}"/>
               </a:ext>
             </a:extLst>
           </p:cNvPr>
@@ -9283,9 +9403,14 @@
           <a:lstStyle/>
           <a:p>
             <a:r>
-              <a:rPr kumimoji="1" lang="ja-JP" altLang="en-US"/>
-              <a:t>新たなモデル</a:t>
-            </a:r>
+              <a:rPr lang="en-US" altLang="ja-JP" dirty="0"/>
+              <a:t>3</a:t>
+            </a:r>
+            <a:r>
+              <a:rPr lang="ja-JP" altLang="en-US"/>
+              <a:t>月以降の取り組み</a:t>
+            </a:r>
+            <a:endParaRPr kumimoji="1" lang="ja-JP" altLang="en-US"/>
           </a:p>
         </p:txBody>
       </p:sp>
@@ -9294,7 +9419,7 @@
           <p:cNvPr id="3" name="コンテンツ プレースホルダー 2">
             <a:extLst>
               <a:ext uri="{FF2B5EF4-FFF2-40B4-BE49-F238E27FC236}">
-                <a16:creationId xmlns:a16="http://schemas.microsoft.com/office/drawing/2014/main" id="{66603910-061F-6749-9222-2B4D5E499E0D}"/>
+                <a16:creationId xmlns:a16="http://schemas.microsoft.com/office/drawing/2014/main" id="{81E1D8B5-9BD0-8442-B97C-A6838E468C4F}"/>
               </a:ext>
             </a:extLst>
           </p:cNvPr>
@@ -9307,31 +9432,84 @@
         </p:nvSpPr>
         <p:spPr/>
         <p:txBody>
-          <a:bodyPr>
-            <a:normAutofit/>
-          </a:bodyPr>
+          <a:bodyPr/>
           <a:lstStyle/>
           <a:p>
+            <a:pPr marL="0" indent="0">
+              <a:buNone/>
+            </a:pPr>
+            <a:r>
+              <a:rPr lang="en-US" altLang="ja-JP" sz="2600" dirty="0"/>
+              <a:t>1. </a:t>
+            </a:r>
+            <a:r>
+              <a:rPr lang="ja-JP" altLang="en-US" sz="2600"/>
+              <a:t>席割の評価方法のヒアリング</a:t>
+            </a:r>
+            <a:endParaRPr lang="en-US" altLang="ja-JP" sz="2600" dirty="0"/>
+          </a:p>
+          <a:p>
+            <a:pPr lvl="1"/>
+            <a:r>
+              <a:rPr lang="en-US" altLang="ja-JP" sz="2200" dirty="0"/>
+              <a:t>4</a:t>
+            </a:r>
+            <a:r>
+              <a:rPr lang="ja-JP" altLang="en-US" sz="2200"/>
+              <a:t>月、</a:t>
+            </a:r>
+            <a:r>
+              <a:rPr lang="en-US" altLang="ja-JP" sz="2200" dirty="0"/>
+              <a:t>5</a:t>
+            </a:r>
+            <a:r>
+              <a:rPr lang="ja-JP" altLang="en-US" sz="2200"/>
+              <a:t>月にプランナーさんにヒアリング</a:t>
+            </a:r>
+            <a:endParaRPr lang="en-US" altLang="ja-JP" sz="2200" dirty="0"/>
+          </a:p>
+          <a:p>
+            <a:pPr lvl="1"/>
+            <a:r>
+              <a:rPr lang="ja-JP" altLang="en-US" sz="2200"/>
+              <a:t>新たな目的関数などは加えない方針</a:t>
+            </a:r>
+            <a:endParaRPr lang="en-US" altLang="ja-JP" sz="2200" dirty="0"/>
+          </a:p>
+          <a:p>
+            <a:endParaRPr lang="en-US" altLang="ja-JP" sz="2600" dirty="0"/>
+          </a:p>
+          <a:p>
+            <a:pPr marL="0" indent="0">
+              <a:buNone/>
+            </a:pPr>
+            <a:r>
+              <a:rPr lang="en-US" altLang="ja-JP" sz="2600" dirty="0"/>
+              <a:t>2. </a:t>
+            </a:r>
+            <a:r>
+              <a:rPr lang="ja-JP" altLang="en-US" sz="2600"/>
+              <a:t>大規模な問題例にも対応できるモデルの作成</a:t>
+            </a:r>
+            <a:endParaRPr lang="en-US" altLang="ja-JP" sz="2600" dirty="0"/>
+          </a:p>
+          <a:p>
+            <a:pPr lvl="1"/>
+            <a:r>
+              <a:rPr lang="en-US" altLang="ja-JP" sz="2400" dirty="0"/>
+              <a:t>6</a:t>
+            </a:r>
             <a:r>
               <a:rPr lang="ja-JP" altLang="en-US" sz="2400"/>
-              <a:t>以前のモデルは、数式の最適解を制限時間いっぱい探して、最も良い解を出すことを目指すモデル</a:t>
-            </a:r>
-            <a:endParaRPr lang="en-US" altLang="ja-JP" sz="2400" dirty="0"/>
-          </a:p>
-          <a:p>
-            <a:endParaRPr lang="en-US" altLang="ja-JP" sz="2400" dirty="0"/>
-          </a:p>
-          <a:p>
-            <a:r>
-              <a:rPr kumimoji="1" lang="ja-JP" altLang="en-US" sz="2400"/>
-              <a:t>新たなモデルは、厳密解ではなくとも、短い計算時間で精度の良い解を出すことを目指すモデル</a:t>
-            </a:r>
-            <a:endParaRPr lang="en-US" altLang="ja-JP" sz="2400" dirty="0"/>
-          </a:p>
-          <a:p>
+              <a:t>月から、プログラムを</a:t>
+            </a:r>
+            <a:r>
+              <a:rPr lang="en-US" altLang="ja-JP" sz="2400" dirty="0"/>
+              <a:t>1</a:t>
+            </a:r>
             <a:r>
               <a:rPr lang="ja-JP" altLang="en-US" sz="2400"/>
-              <a:t>以前に比べ、制約を考慮しても計算時間が膨大になりにくい</a:t>
+              <a:t>から新たに作成</a:t>
             </a:r>
             <a:endParaRPr lang="en-US" altLang="ja-JP" sz="2400" dirty="0"/>
           </a:p>
@@ -9340,7 +9518,7 @@
     </p:spTree>
     <p:extLst>
       <p:ext uri="{BB962C8B-B14F-4D97-AF65-F5344CB8AC3E}">
-        <p14:creationId xmlns:p14="http://schemas.microsoft.com/office/powerpoint/2010/main" val="246965859"/>
+        <p14:creationId xmlns:p14="http://schemas.microsoft.com/office/powerpoint/2010/main" val="2813374313"/>
       </p:ext>
     </p:extLst>
   </p:cSld>
@@ -9372,7 +9550,7 @@
           <p:cNvPr id="2" name="タイトル 1">
             <a:extLst>
               <a:ext uri="{FF2B5EF4-FFF2-40B4-BE49-F238E27FC236}">
-                <a16:creationId xmlns:a16="http://schemas.microsoft.com/office/drawing/2014/main" id="{12708A0D-D0C1-E549-A2B7-9BB3AE14D1B6}"/>
+                <a16:creationId xmlns:a16="http://schemas.microsoft.com/office/drawing/2014/main" id="{DEE1382F-7C3A-ED42-BF42-F67C6FDD723E}"/>
               </a:ext>
             </a:extLst>
           </p:cNvPr>
@@ -9389,10 +9567,9 @@
           <a:lstStyle/>
           <a:p>
             <a:r>
-              <a:rPr lang="ja-JP" altLang="en-US"/>
-              <a:t>現状</a:t>
-            </a:r>
-            <a:endParaRPr kumimoji="1" lang="ja-JP" altLang="en-US"/>
+              <a:rPr kumimoji="1" lang="ja-JP" altLang="en-US"/>
+              <a:t>新たなモデル</a:t>
+            </a:r>
           </a:p>
         </p:txBody>
       </p:sp>
@@ -9401,7 +9578,7 @@
           <p:cNvPr id="3" name="コンテンツ プレースホルダー 2">
             <a:extLst>
               <a:ext uri="{FF2B5EF4-FFF2-40B4-BE49-F238E27FC236}">
-                <a16:creationId xmlns:a16="http://schemas.microsoft.com/office/drawing/2014/main" id="{CAB314F2-C6BD-3A4E-BC31-31F9FEFC4609}"/>
+                <a16:creationId xmlns:a16="http://schemas.microsoft.com/office/drawing/2014/main" id="{66603910-061F-6749-9222-2B4D5E499E0D}"/>
               </a:ext>
             </a:extLst>
           </p:cNvPr>
@@ -9421,35 +9598,33 @@
           <a:p>
             <a:r>
               <a:rPr lang="ja-JP" altLang="en-US" sz="2400"/>
-              <a:t>注文数</a:t>
-            </a:r>
-            <a:r>
-              <a:rPr lang="en-US" altLang="ja-JP" sz="2400" dirty="0"/>
-              <a:t>110</a:t>
-            </a:r>
-            <a:r>
-              <a:rPr lang="ja-JP" altLang="en-US" sz="2400"/>
-              <a:t>の</a:t>
-            </a:r>
+              <a:t>以前のモデルは、数式の最適解を制限時間いっぱい探して、最も良い解を出すことを目指すモデル</a:t>
+            </a:r>
+            <a:endParaRPr lang="en-US" altLang="ja-JP" sz="2400" dirty="0"/>
+          </a:p>
+          <a:p>
+            <a:endParaRPr lang="en-US" altLang="ja-JP" sz="2400" dirty="0"/>
+          </a:p>
+          <a:p>
             <a:r>
               <a:rPr kumimoji="1" lang="ja-JP" altLang="en-US" sz="2400"/>
-              <a:t>簡単なブッキングに関しては、以前のモデルと同程度の解をより短時間で出力できています</a:t>
+              <a:t>新たなモデルは、ヒューリスティックを元にしたもの</a:t>
             </a:r>
             <a:endParaRPr kumimoji="1" lang="en-US" altLang="ja-JP" sz="2400" dirty="0"/>
           </a:p>
           <a:p>
             <a:r>
-              <a:rPr lang="ja-JP" altLang="en-US" sz="2400"/>
-              <a:t>より注文数の多いブッキングに対応するために、さまざまなアプローチを実装中</a:t>
-            </a:r>
-            <a:endParaRPr kumimoji="1" lang="ja-JP" altLang="en-US" sz="2400"/>
+              <a:rPr kumimoji="1" lang="ja-JP" altLang="en-US" sz="2400"/>
+              <a:t>厳密解ではなくとも、短い計算時間で精度の良い解を出すことを目指すモデル</a:t>
+            </a:r>
+            <a:endParaRPr kumimoji="1" lang="en-US" altLang="ja-JP" sz="2400" dirty="0"/>
           </a:p>
         </p:txBody>
       </p:sp>
     </p:spTree>
     <p:extLst>
       <p:ext uri="{BB962C8B-B14F-4D97-AF65-F5344CB8AC3E}">
-        <p14:creationId xmlns:p14="http://schemas.microsoft.com/office/powerpoint/2010/main" val="4224103654"/>
+        <p14:creationId xmlns:p14="http://schemas.microsoft.com/office/powerpoint/2010/main" val="246965859"/>
       </p:ext>
     </p:extLst>
   </p:cSld>
